--- a/Hw1/HW1.pptx
+++ b/Hw1/HW1.pptx
@@ -259,8 +259,11 @@
     </a:lvl9pPr>
   </p:defaultTextStyle>
   <p:extLst>
+    <p:ext uri="{EFAFB233-063F-42B5-8137-9DF3F51BA10A}">
+      <p15:sldGuideLst xmlns:p15="http://schemas.microsoft.com/office/powerpoint/2012/main"/>
+    </p:ext>
     <p:ext uri="http://customooxmlschemas.google.com/">
-      <go:slidesCustomData xmlns:go="http://customooxmlschemas.google.com/" xmlns:ahyp="http://schemas.microsoft.com/office/drawing/2018/hyperlinkcolor" xmlns:p15="http://schemas.microsoft.com/office/powerpoint/2012/main" xmlns:p14="http://schemas.microsoft.com/office/powerpoint/2010/main" xmlns:com="http://schemas.openxmlformats.org/drawingml/2006/compatibility" xmlns:pvml="urn:schemas-microsoft-com:office:powerpoint" xmlns:v="urn:schemas-microsoft-com:vml" xmlns:o="urn:schemas-microsoft-com:office:office" xmlns:dgm="http://schemas.openxmlformats.org/drawingml/2006/diagram" xmlns:c="http://schemas.openxmlformats.org/drawingml/2006/chart" xmlns:mv="urn:schemas-microsoft-com:mac:vml" xmlns:mc="http://schemas.openxmlformats.org/markup-compatibility/2006" xmlns="" r:id="rId24" roundtripDataSignature="AMtx7mhCkiwszcfKEFvxba1X9n2smiB9HQ=="/>
+      <go:slidesCustomData xmlns="" xmlns:mc="http://schemas.openxmlformats.org/markup-compatibility/2006" xmlns:mv="urn:schemas-microsoft-com:mac:vml" xmlns:c="http://schemas.openxmlformats.org/drawingml/2006/chart" xmlns:dgm="http://schemas.openxmlformats.org/drawingml/2006/diagram" xmlns:o="urn:schemas-microsoft-com:office:office" xmlns:v="urn:schemas-microsoft-com:vml" xmlns:pvml="urn:schemas-microsoft-com:office:powerpoint" xmlns:com="http://schemas.openxmlformats.org/drawingml/2006/compatibility" xmlns:p14="http://schemas.microsoft.com/office/powerpoint/2010/main" xmlns:p15="http://schemas.microsoft.com/office/powerpoint/2012/main" xmlns:ahyp="http://schemas.microsoft.com/office/drawing/2018/hyperlinkcolor" xmlns:go="http://customooxmlschemas.google.com/" r:id="rId24" roundtripDataSignature="AMtx7mhCkiwszcfKEFvxba1X9n2smiB9HQ=="/>
     </p:ext>
   </p:extLst>
 </p:presentation>
@@ -15241,7 +15244,7 @@
         </p:spPr>
         <p:txBody>
           <a:bodyPr spcFirstLastPara="1" wrap="square" lIns="91425" tIns="45700" rIns="91425" bIns="45700" anchor="t" anchorCtr="0">
-            <a:normAutofit fontScale="92500" lnSpcReduction="10000"/>
+            <a:normAutofit fontScale="92500" lnSpcReduction="20000"/>
           </a:bodyPr>
           <a:lstStyle/>
           <a:p>
@@ -17556,7 +17559,7 @@
         </p:spPr>
         <p:txBody>
           <a:bodyPr spcFirstLastPara="1" wrap="square" lIns="91425" tIns="45700" rIns="91425" bIns="45700" anchor="t" anchorCtr="0">
-            <a:normAutofit lnSpcReduction="20000"/>
+            <a:normAutofit fontScale="92500"/>
           </a:bodyPr>
           <a:lstStyle/>
           <a:p>
@@ -18169,7 +18172,7 @@
         </p:nvGraphicFramePr>
         <p:xfrm>
           <a:off x="1526541" y="1979083"/>
-          <a:ext cx="3000000" cy="3000000"/>
+          <a:ext cx="9138900" cy="2319900"/>
         </p:xfrm>
         <a:graphic>
           <a:graphicData uri="http://schemas.openxmlformats.org/drawingml/2006/table">
@@ -18482,10 +18485,10 @@
               <a:buNone/>
             </a:pPr>
             <a:r>
-              <a:rPr lang="en-US"/>
+              <a:rPr lang="en-US" dirty="0"/>
               <a:t>Basic Implementation (60%)</a:t>
             </a:r>
-            <a:endParaRPr/>
+            <a:endParaRPr dirty="0"/>
           </a:p>
         </p:txBody>
       </p:sp>
@@ -18532,18 +18535,18 @@
               <a:buChar char="•"/>
             </a:pPr>
             <a:r>
-              <a:rPr lang="en-US"/>
+              <a:rPr lang="en-US" dirty="0"/>
               <a:t>Given the average temperature and dengue fever cases in three cities in the </a:t>
             </a:r>
             <a:r>
-              <a:rPr lang="en-US">
+              <a:rPr lang="en-US" dirty="0">
                 <a:solidFill>
                   <a:srgbClr val="FF0000"/>
                 </a:solidFill>
               </a:rPr>
               <a:t>past 94 weeks</a:t>
             </a:r>
-            <a:endParaRPr/>
+            <a:endParaRPr dirty="0"/>
           </a:p>
           <a:p>
             <a:pPr marL="228600" lvl="0" indent="-228600" algn="l" rtl="0">
@@ -18563,18 +18566,62 @@
               <a:buChar char="•"/>
             </a:pPr>
             <a:r>
-              <a:rPr lang="en-US"/>
-              <a:t>Build a regression model using temperature as an input variable to predict the number of cases </a:t>
+              <a:rPr lang="en-US" dirty="0">
+                <a:solidFill>
+                  <a:srgbClr val="FF0000"/>
+                </a:solidFill>
+              </a:rPr>
+              <a:t>Build</a:t>
             </a:r>
             <a:r>
-              <a:rPr lang="en-US">
+              <a:rPr lang="en-US" dirty="0"/>
+              <a:t> </a:t>
+            </a:r>
+            <a:r>
+              <a:rPr lang="en-US" dirty="0">
+                <a:solidFill>
+                  <a:srgbClr val="FF0000"/>
+                </a:solidFill>
+              </a:rPr>
+              <a:t>a regression model</a:t>
+            </a:r>
+            <a:r>
+              <a:rPr lang="zh-TW" altLang="en-US" dirty="0">
+                <a:solidFill>
+                  <a:srgbClr val="FF0000"/>
+                </a:solidFill>
+              </a:rPr>
+              <a:t> </a:t>
+            </a:r>
+            <a:r>
+              <a:rPr lang="en-US" altLang="zh-TW" dirty="0">
+                <a:solidFill>
+                  <a:srgbClr val="FF0000"/>
+                </a:solidFill>
+              </a:rPr>
+              <a:t>for each city/all cities</a:t>
+            </a:r>
+            <a:r>
+              <a:rPr lang="en-US" dirty="0">
+                <a:solidFill>
+                  <a:srgbClr val="FF0000"/>
+                </a:solidFill>
+              </a:rPr>
+              <a:t> </a:t>
+            </a:r>
+            <a:r>
+              <a:rPr lang="en-US" dirty="0"/>
+              <a:t>using temperature as an input variable to predict the number of cases </a:t>
+            </a:r>
+            <a:r>
+              <a:rPr lang="en-US" dirty="0">
                 <a:solidFill>
                   <a:srgbClr val="FF0000"/>
                 </a:solidFill>
               </a:rPr>
               <a:t>in the next 10 weeks</a:t>
             </a:r>
-            <a:endParaRPr>
+            <a:endParaRPr dirty="0">
               <a:solidFill>
                 <a:srgbClr val="FF0000"/>
               </a:solidFill>
@@ -18598,10 +18645,10 @@
               <a:buChar char="•"/>
             </a:pPr>
             <a:r>
-              <a:rPr lang="en-US"/>
+              <a:rPr lang="en-US" dirty="0"/>
               <a:t>Number of cases could be another input variable</a:t>
             </a:r>
-            <a:endParaRPr>
+            <a:endParaRPr dirty="0">
               <a:solidFill>
                 <a:srgbClr val="FF0000"/>
               </a:solidFill>
@@ -18625,10 +18672,10 @@
               <a:buChar char="•"/>
             </a:pPr>
             <a:r>
-              <a:rPr lang="en-US"/>
+              <a:rPr lang="en-US" dirty="0"/>
               <a:t>Please use the file we provide as your input </a:t>
             </a:r>
-            <a:endParaRPr/>
+            <a:endParaRPr dirty="0"/>
           </a:p>
           <a:p>
             <a:pPr marL="228600" lvl="0" indent="-228600" algn="l" rtl="0">
@@ -18648,10 +18695,10 @@
               <a:buChar char="•"/>
             </a:pPr>
             <a:r>
-              <a:rPr lang="en-US"/>
+              <a:rPr lang="en-US" dirty="0"/>
               <a:t>Print the coefficients of your model (5%)</a:t>
             </a:r>
-            <a:endParaRPr/>
+            <a:endParaRPr dirty="0"/>
           </a:p>
         </p:txBody>
       </p:sp>
